--- a/docs/Github-Hermes.pptx
+++ b/docs/Github-Hermes.pptx
@@ -1109,7 +1109,7 @@
         <a:lstStyle/>
         <a:p>
           <a:r>
-            <a:rPr lang="pt-BR" dirty="0" err="1" smtClean="0"/>
+            <a:rPr lang="pt-BR" dirty="0" smtClean="0"/>
             <a:t>Service</a:t>
           </a:r>
           <a:endParaRPr lang="en-US" dirty="0"/>
@@ -1175,6 +1175,29 @@
         </a:p>
       </dgm:t>
     </dgm:pt>
+    <dgm:pt modelId="{8CFF2D81-542F-438C-85E4-6910E545323E}">
+      <dgm:prSet phldrT="[Texto]"/>
+      <dgm:spPr/>
+      <dgm:t>
+        <a:bodyPr/>
+        <a:lstStyle/>
+        <a:p>
+          <a:r>
+            <a:rPr lang="pt-BR" dirty="0" smtClean="0"/>
+            <a:t>Jobs</a:t>
+          </a:r>
+          <a:endParaRPr lang="en-US" dirty="0"/>
+        </a:p>
+      </dgm:t>
+    </dgm:pt>
+    <dgm:pt modelId="{FFC20424-A291-48A4-AC5D-BA3C3E1957CB}" type="parTrans" cxnId="{FC8CF8BB-BAF0-4AEB-B4ED-785E7FCA334D}">
+      <dgm:prSet/>
+      <dgm:spPr/>
+    </dgm:pt>
+    <dgm:pt modelId="{F4E8EA94-8F11-4FC2-8D7A-BB30AE275577}" type="sibTrans" cxnId="{FC8CF8BB-BAF0-4AEB-B4ED-785E7FCA334D}">
+      <dgm:prSet/>
+      <dgm:spPr/>
+    </dgm:pt>
     <dgm:pt modelId="{4A05E213-A6CD-45BA-8F28-FE291C9A57A8}" type="pres">
       <dgm:prSet presAssocID="{F37D0047-0958-48DC-92A3-671D7399C505}" presName="Name0" presStyleCnt="0">
         <dgm:presLayoutVars>
@@ -1186,6 +1209,13 @@
         </dgm:presLayoutVars>
       </dgm:prSet>
       <dgm:spPr/>
+      <dgm:t>
+        <a:bodyPr/>
+        <a:lstStyle/>
+        <a:p>
+          <a:endParaRPr lang="en-US"/>
+        </a:p>
+      </dgm:t>
     </dgm:pt>
     <dgm:pt modelId="{F6D4DA25-BD30-4D45-8A92-B7FEB81B4067}" type="pres">
       <dgm:prSet presAssocID="{7265147B-0D19-4179-9B7C-DA8B0E6ED287}" presName="vertOne" presStyleCnt="0"/>
@@ -1219,12 +1249,19 @@
       <dgm:spPr/>
     </dgm:pt>
     <dgm:pt modelId="{58B9F82D-B44F-41DF-AA3B-E1EAC3A74A7B}" type="pres">
-      <dgm:prSet presAssocID="{D86EBFD1-A79F-4DC6-8EDF-B70C0C78843A}" presName="txTwo" presStyleLbl="node2" presStyleIdx="0" presStyleCnt="1">
+      <dgm:prSet presAssocID="{D86EBFD1-A79F-4DC6-8EDF-B70C0C78843A}" presName="txTwo" presStyleLbl="node2" presStyleIdx="0" presStyleCnt="2">
         <dgm:presLayoutVars>
           <dgm:chPref val="3"/>
         </dgm:presLayoutVars>
       </dgm:prSet>
       <dgm:spPr/>
+      <dgm:t>
+        <a:bodyPr/>
+        <a:lstStyle/>
+        <a:p>
+          <a:endParaRPr lang="en-US"/>
+        </a:p>
+      </dgm:t>
     </dgm:pt>
     <dgm:pt modelId="{914A41E8-D02A-49D1-868D-24C153D2759A}" type="pres">
       <dgm:prSet presAssocID="{D86EBFD1-A79F-4DC6-8EDF-B70C0C78843A}" presName="parTransTwo" presStyleCnt="0"/>
@@ -1245,15 +1282,51 @@
         </dgm:presLayoutVars>
       </dgm:prSet>
       <dgm:spPr/>
+      <dgm:t>
+        <a:bodyPr/>
+        <a:lstStyle/>
+        <a:p>
+          <a:endParaRPr lang="en-US"/>
+        </a:p>
+      </dgm:t>
     </dgm:pt>
     <dgm:pt modelId="{21FE1116-4056-4EC3-8F72-7E190C75A33A}" type="pres">
       <dgm:prSet presAssocID="{C493F242-D399-45A9-841E-C1798AD6035F}" presName="horzThree" presStyleCnt="0"/>
       <dgm:spPr/>
     </dgm:pt>
+    <dgm:pt modelId="{072D14B3-44C7-4DD5-947F-E361D41B64AB}" type="pres">
+      <dgm:prSet presAssocID="{D88D8AEB-8299-47B8-BDC2-9A9426D0291D}" presName="sibSpaceTwo" presStyleCnt="0"/>
+      <dgm:spPr/>
+    </dgm:pt>
+    <dgm:pt modelId="{2ECCDAC5-F38F-4FA0-BDA5-0FF228790880}" type="pres">
+      <dgm:prSet presAssocID="{8CFF2D81-542F-438C-85E4-6910E545323E}" presName="vertTwo" presStyleCnt="0"/>
+      <dgm:spPr/>
+    </dgm:pt>
+    <dgm:pt modelId="{E28E9EAA-5EE0-4243-9FDA-F8224C887737}" type="pres">
+      <dgm:prSet presAssocID="{8CFF2D81-542F-438C-85E4-6910E545323E}" presName="txTwo" presStyleLbl="node2" presStyleIdx="1" presStyleCnt="2">
+        <dgm:presLayoutVars>
+          <dgm:chPref val="3"/>
+        </dgm:presLayoutVars>
+      </dgm:prSet>
+      <dgm:spPr/>
+      <dgm:t>
+        <a:bodyPr/>
+        <a:lstStyle/>
+        <a:p>
+          <a:endParaRPr lang="en-US"/>
+        </a:p>
+      </dgm:t>
+    </dgm:pt>
+    <dgm:pt modelId="{02832848-5FC2-4C70-BA0B-8DD019C308DC}" type="pres">
+      <dgm:prSet presAssocID="{8CFF2D81-542F-438C-85E4-6910E545323E}" presName="horzTwo" presStyleCnt="0"/>
+      <dgm:spPr/>
+    </dgm:pt>
   </dgm:ptLst>
   <dgm:cxnLst>
+    <dgm:cxn modelId="{FC8CF8BB-BAF0-4AEB-B4ED-785E7FCA334D}" srcId="{7265147B-0D19-4179-9B7C-DA8B0E6ED287}" destId="{8CFF2D81-542F-438C-85E4-6910E545323E}" srcOrd="1" destOrd="0" parTransId="{FFC20424-A291-48A4-AC5D-BA3C3E1957CB}" sibTransId="{F4E8EA94-8F11-4FC2-8D7A-BB30AE275577}"/>
+    <dgm:cxn modelId="{933809D2-39C4-4352-8CB8-2A1CE816124D}" type="presOf" srcId="{8CFF2D81-542F-438C-85E4-6910E545323E}" destId="{E28E9EAA-5EE0-4243-9FDA-F8224C887737}" srcOrd="0" destOrd="0" presId="urn:microsoft.com/office/officeart/2005/8/layout/hierarchy4"/>
+    <dgm:cxn modelId="{9F374A1E-BF48-4FED-B984-996CD3190F7C}" type="presOf" srcId="{C493F242-D399-45A9-841E-C1798AD6035F}" destId="{5A7EDAEE-911C-4337-8ADB-BA1DB475597D}" srcOrd="0" destOrd="0" presId="urn:microsoft.com/office/officeart/2005/8/layout/hierarchy4"/>
     <dgm:cxn modelId="{C43F68FF-6983-412F-84C6-8E53F1326504}" srcId="{7265147B-0D19-4179-9B7C-DA8B0E6ED287}" destId="{D86EBFD1-A79F-4DC6-8EDF-B70C0C78843A}" srcOrd="0" destOrd="0" parTransId="{9A557DA8-EE5E-408B-B156-94AB6EFD6EEE}" sibTransId="{D88D8AEB-8299-47B8-BDC2-9A9426D0291D}"/>
-    <dgm:cxn modelId="{9F374A1E-BF48-4FED-B984-996CD3190F7C}" type="presOf" srcId="{C493F242-D399-45A9-841E-C1798AD6035F}" destId="{5A7EDAEE-911C-4337-8ADB-BA1DB475597D}" srcOrd="0" destOrd="0" presId="urn:microsoft.com/office/officeart/2005/8/layout/hierarchy4"/>
     <dgm:cxn modelId="{A68A96C5-5BD7-48B9-88AB-95F8B1790150}" type="presOf" srcId="{7265147B-0D19-4179-9B7C-DA8B0E6ED287}" destId="{5066D367-32AD-45B4-B196-83042F8CDEFF}" srcOrd="0" destOrd="0" presId="urn:microsoft.com/office/officeart/2005/8/layout/hierarchy4"/>
     <dgm:cxn modelId="{59FFC065-53BC-4931-89F1-249EA83BC4B8}" type="presOf" srcId="{D86EBFD1-A79F-4DC6-8EDF-B70C0C78843A}" destId="{58B9F82D-B44F-41DF-AA3B-E1EAC3A74A7B}" srcOrd="0" destOrd="0" presId="urn:microsoft.com/office/officeart/2005/8/layout/hierarchy4"/>
     <dgm:cxn modelId="{9FBAB0CE-B12C-4AAE-8680-3648C36727ED}" srcId="{F37D0047-0958-48DC-92A3-671D7399C505}" destId="{7265147B-0D19-4179-9B7C-DA8B0E6ED287}" srcOrd="0" destOrd="0" parTransId="{CAF8DE52-977E-4C4E-9B68-56CCBFFCDE33}" sibTransId="{7ECF891B-97F5-432F-8942-AF3614A3A2E0}"/>
@@ -1270,6 +1343,10 @@
     <dgm:cxn modelId="{2D1C3E63-1D5D-4037-8CCA-B64FFEDE66A0}" type="presParOf" srcId="{81D6FBFE-963D-46DB-B319-BFFCB1C87A9E}" destId="{C7C29340-35A0-4290-B40A-EEA12CEFDBDF}" srcOrd="0" destOrd="0" presId="urn:microsoft.com/office/officeart/2005/8/layout/hierarchy4"/>
     <dgm:cxn modelId="{48177F4D-1EA1-47E4-B7E4-0EE4BD4097FC}" type="presParOf" srcId="{C7C29340-35A0-4290-B40A-EEA12CEFDBDF}" destId="{5A7EDAEE-911C-4337-8ADB-BA1DB475597D}" srcOrd="0" destOrd="0" presId="urn:microsoft.com/office/officeart/2005/8/layout/hierarchy4"/>
     <dgm:cxn modelId="{5EBE3D2F-E5FF-46E8-929E-B0AC26CCC7D8}" type="presParOf" srcId="{C7C29340-35A0-4290-B40A-EEA12CEFDBDF}" destId="{21FE1116-4056-4EC3-8F72-7E190C75A33A}" srcOrd="1" destOrd="0" presId="urn:microsoft.com/office/officeart/2005/8/layout/hierarchy4"/>
+    <dgm:cxn modelId="{B79B3AF0-5252-4B62-B7C7-565AB948D081}" type="presParOf" srcId="{1449E6B7-1BC8-4192-A49E-368A7885CD8E}" destId="{072D14B3-44C7-4DD5-947F-E361D41B64AB}" srcOrd="1" destOrd="0" presId="urn:microsoft.com/office/officeart/2005/8/layout/hierarchy4"/>
+    <dgm:cxn modelId="{AAC45FE2-F6D0-4010-8EF5-4035C68FAB75}" type="presParOf" srcId="{1449E6B7-1BC8-4192-A49E-368A7885CD8E}" destId="{2ECCDAC5-F38F-4FA0-BDA5-0FF228790880}" srcOrd="2" destOrd="0" presId="urn:microsoft.com/office/officeart/2005/8/layout/hierarchy4"/>
+    <dgm:cxn modelId="{74B19F5E-944E-4858-89D8-B843ED518D57}" type="presParOf" srcId="{2ECCDAC5-F38F-4FA0-BDA5-0FF228790880}" destId="{E28E9EAA-5EE0-4243-9FDA-F8224C887737}" srcOrd="0" destOrd="0" presId="urn:microsoft.com/office/officeart/2005/8/layout/hierarchy4"/>
+    <dgm:cxn modelId="{6B0F388B-D992-4CEC-855B-6036F293B586}" type="presParOf" srcId="{2ECCDAC5-F38F-4FA0-BDA5-0FF228790880}" destId="{02832848-5FC2-4C70-BA0B-8DD019C308DC}" srcOrd="1" destOrd="0" presId="urn:microsoft.com/office/officeart/2005/8/layout/hierarchy4"/>
   </dgm:cxnLst>
   <dgm:bg/>
   <dgm:whole/>
@@ -1296,8 +1373,8 @@
       </dsp:nvSpPr>
       <dsp:spPr>
         <a:xfrm>
-          <a:off x="1640" y="1150"/>
-          <a:ext cx="3356415" cy="710557"/>
+          <a:off x="1240" y="1150"/>
+          <a:ext cx="3357215" cy="710557"/>
         </a:xfrm>
         <a:prstGeom prst="roundRect">
           <a:avLst>
@@ -1405,8 +1482,8 @@
         </a:p>
       </dsp:txBody>
       <dsp:txXfrm>
-        <a:off x="1640" y="1150"/>
-        <a:ext cx="3356415" cy="710557"/>
+        <a:off x="1240" y="1150"/>
+        <a:ext cx="3357215" cy="710557"/>
       </dsp:txXfrm>
     </dsp:sp>
     <dsp:sp modelId="{58B9F82D-B44F-41DF-AA3B-E1EAC3A74A7B}">
@@ -1416,8 +1493,8 @@
       </dsp:nvSpPr>
       <dsp:spPr>
         <a:xfrm>
-          <a:off x="1640" y="771053"/>
-          <a:ext cx="3356415" cy="710557"/>
+          <a:off x="1240" y="771053"/>
+          <a:ext cx="1610947" cy="710557"/>
         </a:xfrm>
         <a:prstGeom prst="roundRect">
           <a:avLst>
@@ -1510,15 +1587,15 @@
             </a:spcAft>
           </a:pPr>
           <a:r>
-            <a:rPr lang="pt-BR" sz="3000" kern="1200" dirty="0" err="1" smtClean="0"/>
+            <a:rPr lang="pt-BR" sz="3000" kern="1200" dirty="0" smtClean="0"/>
             <a:t>Service</a:t>
           </a:r>
           <a:endParaRPr lang="en-US" sz="3000" kern="1200" dirty="0"/>
         </a:p>
       </dsp:txBody>
       <dsp:txXfrm>
-        <a:off x="1640" y="771053"/>
-        <a:ext cx="3356415" cy="710557"/>
+        <a:off x="1240" y="771053"/>
+        <a:ext cx="1610947" cy="710557"/>
       </dsp:txXfrm>
     </dsp:sp>
     <dsp:sp modelId="{5A7EDAEE-911C-4337-8ADB-BA1DB475597D}">
@@ -1528,8 +1605,8 @@
       </dsp:nvSpPr>
       <dsp:spPr>
         <a:xfrm>
-          <a:off x="1640" y="1540957"/>
-          <a:ext cx="3356415" cy="710557"/>
+          <a:off x="1240" y="1540957"/>
+          <a:ext cx="1610947" cy="710557"/>
         </a:xfrm>
         <a:prstGeom prst="roundRect">
           <a:avLst>
@@ -1629,8 +1706,120 @@
         </a:p>
       </dsp:txBody>
       <dsp:txXfrm>
-        <a:off x="1640" y="1540957"/>
-        <a:ext cx="3356415" cy="710557"/>
+        <a:off x="1240" y="1540957"/>
+        <a:ext cx="1610947" cy="710557"/>
+      </dsp:txXfrm>
+    </dsp:sp>
+    <dsp:sp modelId="{E28E9EAA-5EE0-4243-9FDA-F8224C887737}">
+      <dsp:nvSpPr>
+        <dsp:cNvPr id="0" name=""/>
+        <dsp:cNvSpPr/>
+      </dsp:nvSpPr>
+      <dsp:spPr>
+        <a:xfrm>
+          <a:off x="1747507" y="771053"/>
+          <a:ext cx="1610947" cy="710557"/>
+        </a:xfrm>
+        <a:prstGeom prst="roundRect">
+          <a:avLst>
+            <a:gd name="adj" fmla="val 10000"/>
+          </a:avLst>
+        </a:prstGeom>
+        <a:gradFill rotWithShape="0">
+          <a:gsLst>
+            <a:gs pos="0">
+              <a:schemeClr val="accent2">
+                <a:hueOff val="0"/>
+                <a:satOff val="0"/>
+                <a:lumOff val="0"/>
+                <a:alphaOff val="0"/>
+                <a:shade val="51000"/>
+                <a:satMod val="130000"/>
+              </a:schemeClr>
+            </a:gs>
+            <a:gs pos="80000">
+              <a:schemeClr val="accent2">
+                <a:hueOff val="0"/>
+                <a:satOff val="0"/>
+                <a:lumOff val="0"/>
+                <a:alphaOff val="0"/>
+                <a:shade val="93000"/>
+                <a:satMod val="130000"/>
+              </a:schemeClr>
+            </a:gs>
+            <a:gs pos="100000">
+              <a:schemeClr val="accent2">
+                <a:hueOff val="0"/>
+                <a:satOff val="0"/>
+                <a:lumOff val="0"/>
+                <a:alphaOff val="0"/>
+                <a:shade val="94000"/>
+                <a:satMod val="135000"/>
+              </a:schemeClr>
+            </a:gs>
+          </a:gsLst>
+          <a:lin ang="16200000" scaled="0"/>
+        </a:gradFill>
+        <a:ln>
+          <a:noFill/>
+        </a:ln>
+        <a:effectLst>
+          <a:outerShdw blurRad="40000" dist="20000" dir="5400000" rotWithShape="0">
+            <a:srgbClr val="000000">
+              <a:alpha val="38000"/>
+            </a:srgbClr>
+          </a:outerShdw>
+        </a:effectLst>
+        <a:scene3d>
+          <a:camera prst="orthographicFront"/>
+          <a:lightRig rig="flat" dir="t"/>
+        </a:scene3d>
+        <a:sp3d prstMaterial="plastic">
+          <a:bevelT w="120900" h="88900"/>
+          <a:bevelB w="88900" h="31750" prst="angle"/>
+        </a:sp3d>
+      </dsp:spPr>
+      <dsp:style>
+        <a:lnRef idx="0">
+          <a:scrgbClr r="0" g="0" b="0"/>
+        </a:lnRef>
+        <a:fillRef idx="3">
+          <a:scrgbClr r="0" g="0" b="0"/>
+        </a:fillRef>
+        <a:effectRef idx="1">
+          <a:scrgbClr r="0" g="0" b="0"/>
+        </a:effectRef>
+        <a:fontRef idx="minor">
+          <a:schemeClr val="lt1"/>
+        </a:fontRef>
+      </dsp:style>
+      <dsp:txBody>
+        <a:bodyPr spcFirstLastPara="0" vert="horz" wrap="square" lIns="114300" tIns="114300" rIns="114300" bIns="114300" numCol="1" spcCol="1270" anchor="ctr" anchorCtr="0">
+          <a:noAutofit/>
+        </a:bodyPr>
+        <a:lstStyle/>
+        <a:p>
+          <a:pPr lvl="0" algn="ctr" defTabSz="1333500">
+            <a:lnSpc>
+              <a:spcPct val="90000"/>
+            </a:lnSpc>
+            <a:spcBef>
+              <a:spcPct val="0"/>
+            </a:spcBef>
+            <a:spcAft>
+              <a:spcPct val="35000"/>
+            </a:spcAft>
+          </a:pPr>
+          <a:r>
+            <a:rPr lang="pt-BR" sz="3000" kern="1200" dirty="0" smtClean="0"/>
+            <a:t>Jobs</a:t>
+          </a:r>
+          <a:endParaRPr lang="en-US" sz="3000" kern="1200" dirty="0"/>
+        </a:p>
+      </dsp:txBody>
+      <dsp:txXfrm>
+        <a:off x="1747507" y="771053"/>
+        <a:ext cx="1610947" cy="710557"/>
       </dsp:txXfrm>
     </dsp:sp>
   </dsp:spTree>
@@ -3457,7 +3646,8 @@
           <a:p>
             <a:fld id="{51EA459B-F726-46E4-A7C4-E1023F7835C1}" type="datetimeFigureOut">
               <a:rPr lang="en-US" smtClean="0"/>
-              <a:t>9/26/2013</a:t>
+              <a:pPr/>
+              <a:t>9/30/2013</a:t>
             </a:fld>
             <a:endParaRPr lang="en-US"/>
           </a:p>
@@ -3499,6 +3689,7 @@
           <a:p>
             <a:fld id="{F3292549-BCF0-424C-864D-73897B74CA4A}" type="slidenum">
               <a:rPr lang="en-US" smtClean="0"/>
+              <a:pPr/>
               <a:t>‹nº›</a:t>
             </a:fld>
             <a:endParaRPr lang="en-US"/>
@@ -3622,7 +3813,8 @@
           <a:p>
             <a:fld id="{51EA459B-F726-46E4-A7C4-E1023F7835C1}" type="datetimeFigureOut">
               <a:rPr lang="en-US" smtClean="0"/>
-              <a:t>9/26/2013</a:t>
+              <a:pPr/>
+              <a:t>9/30/2013</a:t>
             </a:fld>
             <a:endParaRPr lang="en-US"/>
           </a:p>
@@ -3664,6 +3856,7 @@
           <a:p>
             <a:fld id="{F3292549-BCF0-424C-864D-73897B74CA4A}" type="slidenum">
               <a:rPr lang="en-US" smtClean="0"/>
+              <a:pPr/>
               <a:t>‹nº›</a:t>
             </a:fld>
             <a:endParaRPr lang="en-US"/>
@@ -3797,7 +3990,8 @@
           <a:p>
             <a:fld id="{51EA459B-F726-46E4-A7C4-E1023F7835C1}" type="datetimeFigureOut">
               <a:rPr lang="en-US" smtClean="0"/>
-              <a:t>9/26/2013</a:t>
+              <a:pPr/>
+              <a:t>9/30/2013</a:t>
             </a:fld>
             <a:endParaRPr lang="en-US"/>
           </a:p>
@@ -3839,6 +4033,7 @@
           <a:p>
             <a:fld id="{F3292549-BCF0-424C-864D-73897B74CA4A}" type="slidenum">
               <a:rPr lang="en-US" smtClean="0"/>
+              <a:pPr/>
               <a:t>‹nº›</a:t>
             </a:fld>
             <a:endParaRPr lang="en-US"/>
@@ -3962,7 +4157,8 @@
           <a:p>
             <a:fld id="{51EA459B-F726-46E4-A7C4-E1023F7835C1}" type="datetimeFigureOut">
               <a:rPr lang="en-US" smtClean="0"/>
-              <a:t>9/26/2013</a:t>
+              <a:pPr/>
+              <a:t>9/30/2013</a:t>
             </a:fld>
             <a:endParaRPr lang="en-US"/>
           </a:p>
@@ -4004,6 +4200,7 @@
           <a:p>
             <a:fld id="{F3292549-BCF0-424C-864D-73897B74CA4A}" type="slidenum">
               <a:rPr lang="en-US" smtClean="0"/>
+              <a:pPr/>
               <a:t>‹nº›</a:t>
             </a:fld>
             <a:endParaRPr lang="en-US"/>
@@ -4203,7 +4400,8 @@
           <a:p>
             <a:fld id="{51EA459B-F726-46E4-A7C4-E1023F7835C1}" type="datetimeFigureOut">
               <a:rPr lang="en-US" smtClean="0"/>
-              <a:t>9/26/2013</a:t>
+              <a:pPr/>
+              <a:t>9/30/2013</a:t>
             </a:fld>
             <a:endParaRPr lang="en-US"/>
           </a:p>
@@ -4245,6 +4443,7 @@
           <a:p>
             <a:fld id="{F3292549-BCF0-424C-864D-73897B74CA4A}" type="slidenum">
               <a:rPr lang="en-US" smtClean="0"/>
+              <a:pPr/>
               <a:t>‹nº›</a:t>
             </a:fld>
             <a:endParaRPr lang="en-US"/>
@@ -4486,7 +4685,8 @@
           <a:p>
             <a:fld id="{51EA459B-F726-46E4-A7C4-E1023F7835C1}" type="datetimeFigureOut">
               <a:rPr lang="en-US" smtClean="0"/>
-              <a:t>9/26/2013</a:t>
+              <a:pPr/>
+              <a:t>9/30/2013</a:t>
             </a:fld>
             <a:endParaRPr lang="en-US"/>
           </a:p>
@@ -4528,6 +4728,7 @@
           <a:p>
             <a:fld id="{F3292549-BCF0-424C-864D-73897B74CA4A}" type="slidenum">
               <a:rPr lang="en-US" smtClean="0"/>
+              <a:pPr/>
               <a:t>‹nº›</a:t>
             </a:fld>
             <a:endParaRPr lang="en-US"/>
@@ -4903,7 +5104,8 @@
           <a:p>
             <a:fld id="{51EA459B-F726-46E4-A7C4-E1023F7835C1}" type="datetimeFigureOut">
               <a:rPr lang="en-US" smtClean="0"/>
-              <a:t>9/26/2013</a:t>
+              <a:pPr/>
+              <a:t>9/30/2013</a:t>
             </a:fld>
             <a:endParaRPr lang="en-US"/>
           </a:p>
@@ -4945,6 +5147,7 @@
           <a:p>
             <a:fld id="{F3292549-BCF0-424C-864D-73897B74CA4A}" type="slidenum">
               <a:rPr lang="en-US" smtClean="0"/>
+              <a:pPr/>
               <a:t>‹nº›</a:t>
             </a:fld>
             <a:endParaRPr lang="en-US"/>
@@ -5016,7 +5219,8 @@
           <a:p>
             <a:fld id="{51EA459B-F726-46E4-A7C4-E1023F7835C1}" type="datetimeFigureOut">
               <a:rPr lang="en-US" smtClean="0"/>
-              <a:t>9/26/2013</a:t>
+              <a:pPr/>
+              <a:t>9/30/2013</a:t>
             </a:fld>
             <a:endParaRPr lang="en-US"/>
           </a:p>
@@ -5058,6 +5262,7 @@
           <a:p>
             <a:fld id="{F3292549-BCF0-424C-864D-73897B74CA4A}" type="slidenum">
               <a:rPr lang="en-US" smtClean="0"/>
+              <a:pPr/>
               <a:t>‹nº›</a:t>
             </a:fld>
             <a:endParaRPr lang="en-US"/>
@@ -5106,7 +5311,8 @@
           <a:p>
             <a:fld id="{51EA459B-F726-46E4-A7C4-E1023F7835C1}" type="datetimeFigureOut">
               <a:rPr lang="en-US" smtClean="0"/>
-              <a:t>9/26/2013</a:t>
+              <a:pPr/>
+              <a:t>9/30/2013</a:t>
             </a:fld>
             <a:endParaRPr lang="en-US"/>
           </a:p>
@@ -5148,6 +5354,7 @@
           <a:p>
             <a:fld id="{F3292549-BCF0-424C-864D-73897B74CA4A}" type="slidenum">
               <a:rPr lang="en-US" smtClean="0"/>
+              <a:pPr/>
               <a:t>‹nº›</a:t>
             </a:fld>
             <a:endParaRPr lang="en-US"/>
@@ -5378,7 +5585,8 @@
           <a:p>
             <a:fld id="{51EA459B-F726-46E4-A7C4-E1023F7835C1}" type="datetimeFigureOut">
               <a:rPr lang="en-US" smtClean="0"/>
-              <a:t>9/26/2013</a:t>
+              <a:pPr/>
+              <a:t>9/30/2013</a:t>
             </a:fld>
             <a:endParaRPr lang="en-US"/>
           </a:p>
@@ -5420,6 +5628,7 @@
           <a:p>
             <a:fld id="{F3292549-BCF0-424C-864D-73897B74CA4A}" type="slidenum">
               <a:rPr lang="en-US" smtClean="0"/>
+              <a:pPr/>
               <a:t>‹nº›</a:t>
             </a:fld>
             <a:endParaRPr lang="en-US"/>
@@ -5626,7 +5835,8 @@
           <a:p>
             <a:fld id="{51EA459B-F726-46E4-A7C4-E1023F7835C1}" type="datetimeFigureOut">
               <a:rPr lang="en-US" smtClean="0"/>
-              <a:t>9/26/2013</a:t>
+              <a:pPr/>
+              <a:t>9/30/2013</a:t>
             </a:fld>
             <a:endParaRPr lang="en-US"/>
           </a:p>
@@ -5668,6 +5878,7 @@
           <a:p>
             <a:fld id="{F3292549-BCF0-424C-864D-73897B74CA4A}" type="slidenum">
               <a:rPr lang="en-US" smtClean="0"/>
+              <a:pPr/>
               <a:t>‹nº›</a:t>
             </a:fld>
             <a:endParaRPr lang="en-US"/>
@@ -5834,7 +6045,8 @@
           <a:p>
             <a:fld id="{51EA459B-F726-46E4-A7C4-E1023F7835C1}" type="datetimeFigureOut">
               <a:rPr lang="en-US" smtClean="0"/>
-              <a:t>9/26/2013</a:t>
+              <a:pPr/>
+              <a:t>9/30/2013</a:t>
             </a:fld>
             <a:endParaRPr lang="en-US"/>
           </a:p>
@@ -5912,6 +6124,7 @@
           <a:p>
             <a:fld id="{F3292549-BCF0-424C-864D-73897B74CA4A}" type="slidenum">
               <a:rPr lang="en-US" smtClean="0"/>
+              <a:pPr/>
               <a:t>‹nº›</a:t>
             </a:fld>
             <a:endParaRPr lang="en-US"/>
@@ -13309,11 +13522,7 @@
           <a:p>
             <a:r>
               <a:rPr lang="pt-BR" sz="1400" dirty="0" smtClean="0"/>
-              <a:t>Jackson </a:t>
-            </a:r>
-            <a:r>
-              <a:rPr lang="pt-BR" sz="1400" dirty="0" smtClean="0"/>
-              <a:t>(JSON </a:t>
+              <a:t>Jackson (JSON </a:t>
             </a:r>
             <a:r>
               <a:rPr lang="pt-BR" sz="1400" dirty="0" err="1" smtClean="0"/>
@@ -13475,11 +13684,7 @@
             </a:r>
             <a:r>
               <a:rPr lang="pt-BR" sz="1400" dirty="0" smtClean="0"/>
-              <a:t>/*</a:t>
-            </a:r>
-            <a:r>
-              <a:rPr lang="pt-BR" sz="1400" dirty="0" smtClean="0"/>
-              <a:t> </a:t>
+              <a:t>/* </a:t>
             </a:r>
             <a:endParaRPr lang="en-US" sz="1400" dirty="0"/>
           </a:p>
@@ -13954,7 +14159,7 @@
           <p:nvPr/>
         </p:nvGraphicFramePr>
         <p:xfrm>
-          <a:off x="3059832" y="4221088"/>
+          <a:off x="5364088" y="4293096"/>
           <a:ext cx="3359696" cy="2252665"/>
         </p:xfrm>
         <a:graphic>
@@ -13971,7 +14176,7 @@
         </p:nvGrpSpPr>
         <p:grpSpPr>
           <a:xfrm rot="16200000">
-            <a:off x="1495887" y="5064951"/>
+            <a:off x="3800143" y="5136961"/>
             <a:ext cx="2254271" cy="566541"/>
             <a:chOff x="1640" y="1150"/>
             <a:chExt cx="3356415" cy="710557"/>
@@ -14088,6 +14293,64 @@
           </p:txBody>
         </p:sp>
       </p:grpSp>
+      <p:pic>
+        <p:nvPicPr>
+          <p:cNvPr id="1026" name="Picture 2" descr="E:\DanCastellani\Documents\NetBeansProjects\hermes-message\docs\Architecture.JPG"/>
+          <p:cNvPicPr>
+            <a:picLocks noChangeAspect="1" noChangeArrowheads="1"/>
+          </p:cNvPicPr>
+          <p:nvPr/>
+        </p:nvPicPr>
+        <p:blipFill>
+          <a:blip r:embed="rId7" cstate="print"/>
+          <a:srcRect/>
+          <a:stretch>
+            <a:fillRect/>
+          </a:stretch>
+        </p:blipFill>
+        <p:spPr bwMode="auto">
+          <a:xfrm>
+            <a:off x="4571999" y="3076575"/>
+            <a:ext cx="4572001" cy="3781425"/>
+          </a:xfrm>
+          <a:prstGeom prst="rect">
+            <a:avLst/>
+          </a:prstGeom>
+          <a:noFill/>
+        </p:spPr>
+      </p:pic>
+      <p:pic>
+        <p:nvPicPr>
+          <p:cNvPr id="1027" name="Picture 3"/>
+          <p:cNvPicPr>
+            <a:picLocks noChangeAspect="1" noChangeArrowheads="1"/>
+          </p:cNvPicPr>
+          <p:nvPr/>
+        </p:nvPicPr>
+        <p:blipFill>
+          <a:blip r:embed="rId8" cstate="print"/>
+          <a:srcRect/>
+          <a:stretch>
+            <a:fillRect/>
+          </a:stretch>
+        </p:blipFill>
+        <p:spPr bwMode="auto">
+          <a:xfrm>
+            <a:off x="5372100" y="5111062"/>
+            <a:ext cx="3771900" cy="847725"/>
+          </a:xfrm>
+          <a:prstGeom prst="rect">
+            <a:avLst/>
+          </a:prstGeom>
+          <a:noFill/>
+          <a:ln w="9525">
+            <a:noFill/>
+            <a:miter lim="800000"/>
+            <a:headEnd/>
+            <a:tailEnd/>
+          </a:ln>
+        </p:spPr>
+      </p:pic>
     </p:spTree>
   </p:cSld>
   <p:clrMapOvr>
@@ -14201,11 +14464,6 @@
               </a:rPr>
               <a:t>:Build Management System</a:t>
             </a:r>
-            <a:endParaRPr lang="en-US" dirty="0" smtClean="0">
-              <a:solidFill>
-                <a:srgbClr val="00B0F0"/>
-              </a:solidFill>
-            </a:endParaRPr>
           </a:p>
           <a:p>
             <a:pPr>
@@ -14784,11 +15042,6 @@
               </a:rPr>
               <a:t>:Database</a:t>
             </a:r>
-            <a:endParaRPr lang="en-US" dirty="0" smtClean="0">
-              <a:solidFill>
-                <a:srgbClr val="00B0F0"/>
-              </a:solidFill>
-            </a:endParaRPr>
           </a:p>
         </p:txBody>
       </p:sp>
